--- a/발표자료.pptx
+++ b/발표자료.pptx
@@ -127,6 +127,11 @@
       </a:defRPr>
     </a:lvl9pPr>
   </p:defaultTextStyle>
+  <p:extLst>
+    <p:ext uri="{EFAFB233-063F-42B5-8137-9DF3F51BA10A}">
+      <p15:sldGuideLst xmlns:p15="http://schemas.microsoft.com/office/powerpoint/2012/main"/>
+    </p:ext>
+  </p:extLst>
 </p:presentation>
 </file>
 
@@ -3649,7 +3654,7 @@
           <a:p>
             <a:r>
               <a:rPr lang="ko-KR" altLang="en-US" dirty="0"/>
-              <a:t>타입을 포함하는 포켓몬을 도감 번호가 낮은 순부터 출력</a:t>
+              <a:t>선택한 타입을 포함하는 포켓몬을 도감 번호 순으로 출력</a:t>
             </a:r>
             <a:endParaRPr lang="en-US" altLang="ko-KR" dirty="0"/>
           </a:p>
@@ -3657,13 +3662,25 @@
             <a:endParaRPr lang="en-US" altLang="ko-KR" dirty="0"/>
           </a:p>
           <a:p>
+            <a:r>
+              <a:rPr lang="ko-KR" altLang="en-US" dirty="0"/>
+              <a:t>결과가 </a:t>
+            </a:r>
             <a:r>
               <a:rPr lang="en-US" altLang="ko-KR" dirty="0"/>
               <a:t>20</a:t>
             </a:r>
             <a:r>
               <a:rPr lang="ko-KR" altLang="en-US" dirty="0"/>
-              <a:t>마리 넘어가면 홈페이지와 똑같이 스크롤 내리면 추가로드</a:t>
+              <a:t>마리를 초과하면</a:t>
+            </a:r>
+            <a:r>
+              <a:rPr lang="en-US" altLang="ko-KR" dirty="0"/>
+              <a:t>, </a:t>
+            </a:r>
+            <a:r>
+              <a:rPr lang="ko-KR" altLang="en-US" dirty="0"/>
+              <a:t>스크롤 시 자동으로 추가 로드</a:t>
             </a:r>
           </a:p>
         </p:txBody>
@@ -3929,7 +3946,7 @@
           <a:p>
             <a:r>
               <a:rPr lang="ko-KR" altLang="en-US" dirty="0"/>
-              <a:t>이름으로 검색할 시 검색어를 포함한 모든 포켓몬 출력</a:t>
+              <a:t>포켓몬 이름에 검색어가 포함된 모든 결과 출력</a:t>
             </a:r>
             <a:endParaRPr lang="en-US" altLang="ko-KR" dirty="0"/>
           </a:p>
@@ -3939,7 +3956,7 @@
           <a:p>
             <a:r>
               <a:rPr lang="ko-KR" altLang="en-US" dirty="0"/>
-              <a:t>결과가 </a:t>
+              <a:t>검색 결과가 </a:t>
             </a:r>
             <a:r>
               <a:rPr lang="en-US" altLang="ko-KR" dirty="0"/>
@@ -3947,8 +3964,17 @@
             </a:r>
             <a:r>
               <a:rPr lang="ko-KR" altLang="en-US" dirty="0"/>
-              <a:t>마리가 넘으면 스크롤시에 추가 로드</a:t>
-            </a:r>
+              <a:t>마리 이상일 경우</a:t>
+            </a:r>
+            <a:r>
+              <a:rPr lang="en-US" altLang="ko-KR" dirty="0"/>
+              <a:t>, </a:t>
+            </a:r>
+            <a:r>
+              <a:rPr lang="ko-KR" altLang="en-US" dirty="0"/>
+              <a:t>스크롤 시 추가로 자동 로드</a:t>
+            </a:r>
+            <a:endParaRPr lang="en-US" altLang="ko-KR" dirty="0"/>
           </a:p>
         </p:txBody>
       </p:sp>
@@ -4086,25 +4112,28 @@
           <a:bodyPr/>
           <a:lstStyle/>
           <a:p>
-            <a:pPr marL="0" indent="0">
-              <a:buNone/>
-            </a:pPr>
             <a:endParaRPr lang="en-US" altLang="ko-KR" dirty="0"/>
           </a:p>
           <a:p>
-            <a:pPr marL="0" indent="0">
-              <a:buNone/>
-            </a:pPr>
+            <a:r>
+              <a:rPr lang="ko-KR" altLang="en-US" dirty="0"/>
+              <a:t>선택한 타입의 포켓몬을 먼저 로드</a:t>
+            </a:r>
             <a:endParaRPr lang="en-US" altLang="ko-KR" dirty="0"/>
           </a:p>
           <a:p>
-            <a:pPr marL="0" indent="0">
-              <a:buNone/>
-            </a:pPr>
-            <a:r>
-              <a:rPr lang="ko-KR" altLang="en-US" dirty="0"/>
-              <a:t>이름과 검색어 같이 검색 시 타입 포켓몬 로드이후 포켓몬 이름으로 필터링해서 결과 출력</a:t>
-            </a:r>
+            <a:r>
+              <a:rPr lang="ko-KR" altLang="en-US" dirty="0"/>
+              <a:t>이후 입력한 이름 기준으로 필터링</a:t>
+            </a:r>
+            <a:endParaRPr lang="en-US" altLang="ko-KR" dirty="0"/>
+          </a:p>
+          <a:p>
+            <a:r>
+              <a:rPr lang="ko-KR" altLang="en-US" dirty="0"/>
+              <a:t>최종적으로 타입과 이름 조건을 모두 만족하는 포켓몬만 출력</a:t>
+            </a:r>
+            <a:endParaRPr lang="en-US" altLang="ko-KR" dirty="0"/>
           </a:p>
         </p:txBody>
       </p:sp>
@@ -4328,58 +4357,62 @@
           </a:xfrm>
         </p:spPr>
         <p:txBody>
-          <a:bodyPr/>
-          <a:lstStyle/>
-          <a:p>
-            <a:r>
-              <a:rPr lang="ko-KR" altLang="en-US" dirty="0"/>
-              <a:t>포켓몬 카드 </a:t>
-            </a:r>
-            <a:r>
-              <a:rPr lang="ko-KR" altLang="en-US" dirty="0" err="1"/>
-              <a:t>클릭시</a:t>
-            </a:r>
-            <a:r>
-              <a:rPr lang="ko-KR" altLang="en-US" dirty="0"/>
-              <a:t> 상세 정보 페이지로 이동</a:t>
+          <a:bodyPr>
+            <a:normAutofit/>
+          </a:bodyPr>
+          <a:lstStyle/>
+          <a:p>
+            <a:r>
+              <a:rPr lang="ko-KR" altLang="en-US" dirty="0"/>
+              <a:t>카드를 클릭하면 해당 포켓몬의 상세 페이지로 이동</a:t>
             </a:r>
             <a:endParaRPr lang="en-US" altLang="ko-KR" dirty="0"/>
           </a:p>
           <a:p>
+            <a:r>
+              <a:rPr lang="ko-KR" altLang="en-US" dirty="0"/>
+              <a:t>능력치는 </a:t>
+            </a:r>
+            <a:r>
+              <a:rPr lang="en-US" altLang="ko-KR" dirty="0"/>
+              <a:t>Radar Chart </a:t>
+            </a:r>
+            <a:r>
+              <a:rPr lang="ko-KR" altLang="en-US" dirty="0"/>
+              <a:t>형태로 시각화</a:t>
+            </a:r>
             <a:endParaRPr lang="en-US" altLang="ko-KR" dirty="0"/>
           </a:p>
           <a:p>
             <a:r>
               <a:rPr lang="ko-KR" altLang="en-US" dirty="0"/>
-              <a:t>능력치는 </a:t>
-            </a:r>
-            <a:r>
-              <a:rPr lang="en-US" altLang="ko-KR" dirty="0" err="1"/>
-              <a:t>Radarchart</a:t>
-            </a:r>
-            <a:r>
-              <a:rPr lang="ko-KR" altLang="en-US" dirty="0"/>
-              <a:t>로 출력</a:t>
+              <a:t>타입 상성 정보를 한눈에 확인가능</a:t>
             </a:r>
             <a:endParaRPr lang="en-US" altLang="ko-KR" dirty="0"/>
           </a:p>
           <a:p>
+            <a:r>
+              <a:rPr lang="ko-KR" altLang="en-US" dirty="0"/>
+              <a:t>진화 트리는 카드 형태로 출력</a:t>
+            </a:r>
             <a:endParaRPr lang="en-US" altLang="ko-KR" dirty="0"/>
           </a:p>
           <a:p>
-            <a:r>
-              <a:rPr lang="ko-KR" altLang="en-US" dirty="0"/>
-              <a:t>타입 상성 출력</a:t>
-            </a:r>
-            <a:endParaRPr lang="en-US" altLang="ko-KR" dirty="0"/>
-          </a:p>
-          <a:p>
-            <a:endParaRPr lang="en-US" altLang="ko-KR" dirty="0"/>
-          </a:p>
-          <a:p>
-            <a:r>
-              <a:rPr lang="ko-KR" altLang="en-US" dirty="0"/>
-              <a:t>진화 트리 출력</a:t>
+            <a:pPr lvl="1">
+              <a:buFont typeface="맑은 고딕" panose="020B0503020000020004" pitchFamily="50" charset="-127"/>
+              <a:buChar char="→"/>
+            </a:pPr>
+            <a:r>
+              <a:rPr lang="ko-KR" altLang="en-US" dirty="0"/>
+              <a:t>진화 단계별로 나열되고</a:t>
+            </a:r>
+            <a:r>
+              <a:rPr lang="en-US" altLang="ko-KR" dirty="0"/>
+              <a:t>, </a:t>
+            </a:r>
+            <a:r>
+              <a:rPr lang="ko-KR" altLang="en-US" dirty="0"/>
+              <a:t>카드 클릭 시 해당 포켓몬 페이지로 이동가능</a:t>
             </a:r>
             <a:endParaRPr lang="en-US" altLang="ko-KR" dirty="0"/>
           </a:p>
@@ -4652,14 +4685,14 @@
           <a:p>
             <a:r>
               <a:rPr lang="ko-KR" altLang="en-US" sz="2400" dirty="0"/>
-              <a:t>홈페이지와 상세페이지 좌측에 사이드바 형태로 위</a:t>
+              <a:t>홈페이지와 상세 페이지 좌측에 사이드바 형태로 표시</a:t>
             </a:r>
             <a:endParaRPr lang="en-US" altLang="ko-KR" sz="2400" dirty="0"/>
           </a:p>
           <a:p>
             <a:r>
               <a:rPr lang="ko-KR" altLang="en-US" sz="2400" dirty="0"/>
-              <a:t>최근 본 포켓몬 </a:t>
+              <a:t>최근 본 포켓몬 최대 </a:t>
             </a:r>
             <a:r>
               <a:rPr lang="en-US" altLang="ko-KR" sz="2400" dirty="0"/>
@@ -4667,7 +4700,7 @@
             </a:r>
             <a:r>
               <a:rPr lang="ko-KR" altLang="en-US" sz="2400" dirty="0"/>
-              <a:t>가지 출력</a:t>
+              <a:t>마리까지 출력</a:t>
             </a:r>
             <a:endParaRPr lang="en-US" altLang="ko-KR" sz="2400" dirty="0"/>
           </a:p>
@@ -4678,7 +4711,15 @@
             </a:r>
             <a:r>
               <a:rPr lang="ko-KR" altLang="en-US" sz="2400" dirty="0"/>
-              <a:t>가지 넘어가면 마지막 포켓몬 삭제 후 최근 본 포켓몬 추가</a:t>
+              <a:t>마리를 초과하면</a:t>
+            </a:r>
+            <a:r>
+              <a:rPr lang="en-US" altLang="ko-KR" sz="2400" dirty="0"/>
+              <a:t>, </a:t>
+            </a:r>
+            <a:r>
+              <a:rPr lang="ko-KR" altLang="en-US" sz="2400" dirty="0"/>
+              <a:t>가장 오래된 포켓몬이 자동 제거되고 새 포켓몬 추가</a:t>
             </a:r>
             <a:endParaRPr lang="en-US" altLang="ko-KR" sz="2400" dirty="0"/>
           </a:p>
@@ -4689,7 +4730,7 @@
             </a:r>
             <a:r>
               <a:rPr lang="ko-KR" altLang="en-US" sz="2400" dirty="0"/>
-              <a:t>표시 눌러서 삭제가능</a:t>
+              <a:t>아이콘 클릭 시 개별 삭제 가능</a:t>
             </a:r>
             <a:endParaRPr lang="en-US" altLang="ko-KR" sz="2400" dirty="0"/>
           </a:p>
@@ -4712,7 +4753,7 @@
             </a:r>
             <a:r>
               <a:rPr lang="ko-KR" altLang="en-US" sz="2400" dirty="0"/>
-              <a:t>에 저장</a:t>
+              <a:t>에 정보 저장</a:t>
             </a:r>
             <a:endParaRPr lang="en-US" altLang="ko-KR" sz="2400" dirty="0"/>
           </a:p>
@@ -4723,19 +4764,7 @@
             </a:r>
             <a:r>
               <a:rPr lang="ko-KR" altLang="en-US" sz="2400" dirty="0"/>
-              <a:t> 사용하여 </a:t>
-            </a:r>
-            <a:r>
-              <a:rPr lang="en-US" altLang="ko-KR" sz="2400" dirty="0" err="1"/>
-              <a:t>recently_view</a:t>
-            </a:r>
-            <a:r>
-              <a:rPr lang="ko-KR" altLang="en-US" sz="2400" dirty="0" err="1"/>
-              <a:t>리스트값</a:t>
-            </a:r>
-            <a:r>
-              <a:rPr lang="ko-KR" altLang="en-US" sz="2400" dirty="0"/>
-              <a:t> 변하면 실시간으로 반영</a:t>
+              <a:t>를 통해 최근 본 목록이 변경될 때 실시간 반영</a:t>
             </a:r>
           </a:p>
         </p:txBody>
@@ -5116,7 +5145,9 @@
           </a:xfrm>
         </p:spPr>
         <p:txBody>
-          <a:bodyPr/>
+          <a:bodyPr>
+            <a:normAutofit/>
+          </a:bodyPr>
           <a:lstStyle/>
           <a:p>
             <a:pPr marL="0" indent="0">
@@ -5124,113 +5155,139 @@
             </a:pPr>
             <a:r>
               <a:rPr lang="ko-KR" altLang="en-US" dirty="0"/>
-              <a:t>즐겨찾기</a:t>
+              <a:t>즐겨찾기 기능</a:t>
             </a:r>
             <a:endParaRPr lang="en-US" altLang="ko-KR" dirty="0"/>
           </a:p>
           <a:p>
             <a:r>
-              <a:rPr lang="ko-KR" altLang="en-US" sz="2400" dirty="0"/>
-              <a:t>포켓몬 카드 우측 상단의 </a:t>
-            </a:r>
-            <a:r>
-              <a:rPr lang="ko-KR" altLang="en-US" sz="2400" dirty="0" err="1"/>
-              <a:t>별표시</a:t>
-            </a:r>
-            <a:r>
-              <a:rPr lang="ko-KR" altLang="en-US" sz="2400" dirty="0"/>
-              <a:t> 클릭하여 즐겨찾기 추가</a:t>
-            </a:r>
-            <a:endParaRPr lang="en-US" altLang="ko-KR" sz="2400" dirty="0"/>
-          </a:p>
-          <a:p>
-            <a:r>
-              <a:rPr lang="ko-KR" altLang="en-US" sz="2400" dirty="0"/>
-              <a:t>즐겨찾기 </a:t>
-            </a:r>
-            <a:r>
-              <a:rPr lang="en-US" altLang="ko-KR" sz="2400" dirty="0"/>
+              <a:rPr lang="ko-KR" altLang="en-US" sz="2200" dirty="0"/>
+              <a:t>홈페이지와 상세 페이지 우측에 사이드바 형태로 표시</a:t>
+            </a:r>
+            <a:endParaRPr lang="en-US" altLang="ko-KR" sz="2200" dirty="0"/>
+          </a:p>
+          <a:p>
+            <a:r>
+              <a:rPr lang="ko-KR" altLang="en-US" sz="2200" dirty="0"/>
+              <a:t>포켓몬</a:t>
+            </a:r>
+            <a:r>
+              <a:rPr lang="en-US" altLang="ko-KR" sz="2200" dirty="0"/>
+              <a:t> </a:t>
+            </a:r>
+            <a:r>
+              <a:rPr lang="ko-KR" altLang="en-US" sz="2200" dirty="0"/>
+              <a:t>카드 우측 상단의 별 아이콘 클릭 시 즐겨 찾기 추가</a:t>
+            </a:r>
+            <a:endParaRPr lang="en-US" altLang="ko-KR" sz="2200" dirty="0"/>
+          </a:p>
+          <a:p>
+            <a:r>
+              <a:rPr lang="ko-KR" altLang="en-US" sz="2200" dirty="0"/>
+              <a:t>최대 </a:t>
+            </a:r>
+            <a:r>
+              <a:rPr lang="en-US" altLang="ko-KR" sz="2200" dirty="0"/>
               <a:t>6</a:t>
             </a:r>
             <a:r>
-              <a:rPr lang="ko-KR" altLang="en-US" sz="2400" dirty="0"/>
-              <a:t>개 이상 추가 시 </a:t>
-            </a:r>
-            <a:r>
-              <a:rPr lang="ko-KR" altLang="en-US" sz="2400" dirty="0" err="1"/>
+              <a:rPr lang="ko-KR" altLang="en-US" sz="2200" dirty="0" err="1"/>
+              <a:t>개까지만</a:t>
+            </a:r>
+            <a:r>
+              <a:rPr lang="ko-KR" altLang="en-US" sz="2200" dirty="0"/>
+              <a:t> 등록</a:t>
+            </a:r>
+            <a:r>
+              <a:rPr lang="en-US" altLang="ko-KR" sz="2200" dirty="0"/>
+              <a:t> </a:t>
+            </a:r>
+            <a:r>
+              <a:rPr lang="ko-KR" altLang="en-US" sz="2200" dirty="0"/>
+              <a:t>가능</a:t>
+            </a:r>
+            <a:r>
+              <a:rPr lang="en-US" altLang="ko-KR" sz="2200" dirty="0"/>
+              <a:t>, </a:t>
+            </a:r>
+            <a:r>
+              <a:rPr lang="ko-KR" altLang="en-US" sz="2200" dirty="0"/>
+              <a:t>초과 시 </a:t>
+            </a:r>
+            <a:r>
+              <a:rPr lang="ko-KR" altLang="en-US" sz="2200" dirty="0" err="1"/>
               <a:t>경고창</a:t>
             </a:r>
             <a:r>
-              <a:rPr lang="ko-KR" altLang="en-US" sz="2400" dirty="0"/>
+              <a:rPr lang="ko-KR" altLang="en-US" sz="2200" dirty="0"/>
               <a:t> 출력</a:t>
             </a:r>
-            <a:endParaRPr lang="en-US" altLang="ko-KR" sz="2400" dirty="0"/>
-          </a:p>
-          <a:p>
-            <a:r>
-              <a:rPr lang="ko-KR" altLang="en-US" sz="2400" dirty="0"/>
-              <a:t>포켓몬 카드의 별표시를 입력하거나 즐겨찾기 바의 </a:t>
-            </a:r>
-            <a:r>
-              <a:rPr lang="en-US" altLang="ko-KR" sz="2400" dirty="0"/>
-              <a:t>x</a:t>
-            </a:r>
-            <a:r>
-              <a:rPr lang="ko-KR" altLang="en-US" sz="2400" dirty="0"/>
-              <a:t>표시 클릭해서 즐겨찾기 삭제가능</a:t>
-            </a:r>
-            <a:endParaRPr lang="en-US" altLang="ko-KR" sz="2400" dirty="0"/>
-          </a:p>
-          <a:p>
-            <a:r>
-              <a:rPr lang="en-US" altLang="ko-KR" sz="2400" dirty="0"/>
+            <a:endParaRPr lang="en-US" altLang="ko-KR" sz="2200" dirty="0"/>
+          </a:p>
+          <a:p>
+            <a:r>
+              <a:rPr lang="ko-KR" altLang="en-US" sz="2200" dirty="0"/>
+              <a:t>즐겨찾기 제거는</a:t>
+            </a:r>
+            <a:endParaRPr lang="en-US" altLang="ko-KR" sz="2200" dirty="0"/>
+          </a:p>
+          <a:p>
+            <a:pPr lvl="1"/>
+            <a:r>
+              <a:rPr lang="ko-KR" altLang="en-US" sz="2000" dirty="0"/>
+              <a:t>포켓몬 카드의 별 아이콘 다시 클릭하거나</a:t>
+            </a:r>
+            <a:endParaRPr lang="en-US" altLang="ko-KR" sz="2000" dirty="0"/>
+          </a:p>
+          <a:p>
+            <a:pPr lvl="1"/>
+            <a:r>
+              <a:rPr lang="ko-KR" altLang="en-US" sz="2000" dirty="0"/>
+              <a:t>즐겨찾기 바의 </a:t>
+            </a:r>
+            <a:r>
+              <a:rPr lang="en-US" altLang="ko-KR" sz="2000" dirty="0"/>
+              <a:t>X</a:t>
+            </a:r>
+            <a:r>
+              <a:rPr lang="ko-KR" altLang="en-US" sz="2000" dirty="0"/>
+              <a:t>아이콘 클릭하여 가능</a:t>
+            </a:r>
+            <a:endParaRPr lang="en-US" altLang="ko-KR" sz="2000" dirty="0"/>
+          </a:p>
+          <a:p>
+            <a:r>
+              <a:rPr lang="en-US" altLang="ko-KR" sz="2200" dirty="0"/>
               <a:t>Local Storage</a:t>
             </a:r>
             <a:r>
-              <a:rPr lang="ko-KR" altLang="en-US" sz="2400" dirty="0"/>
+              <a:rPr lang="ko-KR" altLang="en-US" sz="2200" dirty="0"/>
               <a:t>에</a:t>
             </a:r>
             <a:r>
-              <a:rPr lang="en-US" altLang="ko-KR" sz="2400" dirty="0"/>
+              <a:rPr lang="en-US" altLang="ko-KR" sz="2200" dirty="0"/>
               <a:t> </a:t>
             </a:r>
             <a:r>
-              <a:rPr lang="en-US" altLang="ko-KR" sz="2400" dirty="0" err="1"/>
+              <a:rPr lang="en-US" altLang="ko-KR" sz="2200" dirty="0" err="1"/>
               <a:t>favorite_pokemon_list</a:t>
             </a:r>
             <a:r>
-              <a:rPr lang="ko-KR" altLang="en-US" sz="2400" dirty="0"/>
-              <a:t>에 저장</a:t>
-            </a:r>
-            <a:endParaRPr lang="en-US" altLang="ko-KR" sz="2400" dirty="0"/>
-          </a:p>
-          <a:p>
-            <a:r>
-              <a:rPr lang="en-US" altLang="ko-KR" sz="2400" dirty="0" err="1"/>
+              <a:rPr lang="ko-KR" altLang="en-US" sz="2200" dirty="0"/>
+              <a:t>에 즐겨찾기 목록 저장</a:t>
+            </a:r>
+            <a:endParaRPr lang="en-US" altLang="ko-KR" sz="2200" dirty="0"/>
+          </a:p>
+          <a:p>
+            <a:r>
+              <a:rPr lang="en-US" altLang="ko-KR" sz="2200" dirty="0" err="1"/>
               <a:t>useEffect</a:t>
             </a:r>
             <a:r>
-              <a:rPr lang="ko-KR" altLang="en-US" sz="2400" dirty="0"/>
-              <a:t> 사용하여 </a:t>
-            </a:r>
-            <a:r>
-              <a:rPr lang="en-US" altLang="ko-KR" sz="2400" dirty="0" err="1"/>
-              <a:t>favorite_pokemon</a:t>
-            </a:r>
-            <a:r>
-              <a:rPr lang="ko-KR" altLang="en-US" sz="2400" dirty="0" err="1"/>
-              <a:t>리스트값</a:t>
-            </a:r>
-            <a:r>
-              <a:rPr lang="ko-KR" altLang="en-US" sz="2400" dirty="0"/>
-              <a:t> 변하면 실시간으로 반영</a:t>
-            </a:r>
-          </a:p>
-          <a:p>
-            <a:pPr marL="0" indent="0">
-              <a:buNone/>
-            </a:pPr>
-            <a:endParaRPr lang="en-US" altLang="ko-KR" dirty="0"/>
+              <a:rPr lang="ko-KR" altLang="en-US" sz="2200" dirty="0"/>
+              <a:t>를 통해 즐겨찾기 목록이 변경될 때 실시간 반영</a:t>
+            </a:r>
+            <a:endParaRPr lang="en-US" altLang="ko-KR" sz="2200" dirty="0"/>
           </a:p>
           <a:p>
             <a:pPr marL="0" indent="0">
@@ -5488,125 +5545,149 @@
           </a:xfrm>
         </p:spPr>
         <p:txBody>
-          <a:bodyPr/>
-          <a:lstStyle/>
-          <a:p>
-            <a:r>
-              <a:rPr lang="ko-KR" altLang="en-US" dirty="0" err="1"/>
+          <a:bodyPr>
+            <a:normAutofit/>
+          </a:bodyPr>
+          <a:lstStyle/>
+          <a:p>
+            <a:r>
+              <a:rPr lang="en-US" altLang="ko-KR" sz="2400" dirty="0"/>
+              <a:t>React</a:t>
+            </a:r>
+            <a:r>
+              <a:rPr lang="ko-KR" altLang="en-US" sz="2400" dirty="0"/>
+              <a:t>로 빌드한 정적 파일을 </a:t>
+            </a:r>
+            <a:r>
+              <a:rPr lang="en-US" altLang="ko-KR" sz="2400" dirty="0"/>
+              <a:t>proxy/static </a:t>
+            </a:r>
+            <a:r>
+              <a:rPr lang="ko-KR" altLang="en-US" sz="2400" dirty="0"/>
+              <a:t>경로에 복사하여 </a:t>
+            </a:r>
+            <a:r>
+              <a:rPr lang="en-US" altLang="ko-KR" sz="2400" dirty="0"/>
+              <a:t>NGINX</a:t>
+            </a:r>
+            <a:r>
+              <a:rPr lang="ko-KR" altLang="en-US" sz="2400" dirty="0"/>
+              <a:t>가 서빙</a:t>
+            </a:r>
+            <a:endParaRPr lang="en-US" altLang="ko-KR" sz="2400" dirty="0"/>
+          </a:p>
+          <a:p>
+            <a:r>
+              <a:rPr lang="en-US" altLang="ko-KR" sz="2400" dirty="0" err="1"/>
+              <a:t>Pokemon</a:t>
+            </a:r>
+            <a:r>
+              <a:rPr lang="en-US" altLang="ko-KR" sz="2400" dirty="0"/>
+              <a:t>, species, type </a:t>
+            </a:r>
+            <a:r>
+              <a:rPr lang="ko-KR" altLang="en-US" sz="2400" dirty="0"/>
+              <a:t>관련 데이터 요청을 처리하는 </a:t>
+            </a:r>
+            <a:r>
+              <a:rPr lang="en-US" altLang="ko-KR" sz="2400" dirty="0" err="1"/>
+              <a:t>vercel</a:t>
+            </a:r>
+            <a:r>
+              <a:rPr lang="en-US" altLang="ko-KR" sz="2400" dirty="0"/>
+              <a:t> </a:t>
+            </a:r>
+            <a:r>
+              <a:rPr lang="ko-KR" altLang="en-US" sz="2400" dirty="0"/>
+              <a:t>서버리스 함수 구성</a:t>
+            </a:r>
+            <a:endParaRPr lang="en-US" altLang="ko-KR" sz="2400" dirty="0"/>
+          </a:p>
+          <a:p>
+            <a:r>
+              <a:rPr lang="en-US" altLang="ko-KR" sz="2400" dirty="0"/>
+              <a:t>docker-</a:t>
+            </a:r>
+            <a:r>
+              <a:rPr lang="en-US" altLang="ko-KR" sz="2400" dirty="0" err="1"/>
+              <a:t>compose.yml</a:t>
+            </a:r>
+            <a:r>
+              <a:rPr lang="ko-KR" altLang="en-US" sz="2400" dirty="0"/>
+              <a:t>을 이용해 </a:t>
+            </a:r>
+            <a:r>
+              <a:rPr lang="en-US" altLang="ko-KR" sz="2400" dirty="0"/>
+              <a:t>NGINX </a:t>
+            </a:r>
+            <a:r>
+              <a:rPr lang="ko-KR" altLang="en-US" sz="2400" dirty="0"/>
+              <a:t>기반 프록시 서버 환경 구성</a:t>
+            </a:r>
+            <a:endParaRPr lang="en-US" altLang="ko-KR" sz="2400" dirty="0"/>
+          </a:p>
+          <a:p>
+            <a:r>
+              <a:rPr lang="en-US" altLang="ko-KR" sz="2400" dirty="0"/>
+              <a:t>GitHub</a:t>
+            </a:r>
+            <a:r>
+              <a:rPr lang="ko-KR" altLang="en-US" sz="2400" dirty="0"/>
+              <a:t>에 </a:t>
+            </a:r>
+            <a:r>
+              <a:rPr lang="en-US" altLang="ko-KR" sz="2400" dirty="0"/>
+              <a:t>push</a:t>
+            </a:r>
+            <a:r>
+              <a:rPr lang="ko-KR" altLang="en-US" sz="2400" dirty="0"/>
+              <a:t>시</a:t>
+            </a:r>
+            <a:r>
+              <a:rPr lang="en-US" altLang="ko-KR" sz="2400" dirty="0"/>
+              <a:t>:</a:t>
+            </a:r>
+          </a:p>
+          <a:p>
+            <a:pPr marL="914400" lvl="1" indent="-457200">
+              <a:buFont typeface="+mj-lt"/>
+              <a:buAutoNum type="arabicParenR"/>
+            </a:pPr>
+            <a:r>
+              <a:rPr lang="ko-KR" altLang="en-US" sz="2200" dirty="0" err="1"/>
               <a:t>프론트엔드</a:t>
             </a:r>
             <a:r>
-              <a:rPr lang="ko-KR" altLang="en-US" dirty="0"/>
-              <a:t> 정적 파일 빌드해서 </a:t>
-            </a:r>
-            <a:r>
-              <a:rPr lang="en-US" altLang="ko-KR" dirty="0"/>
-              <a:t>proxy/static </a:t>
-            </a:r>
-            <a:r>
-              <a:rPr lang="ko-KR" altLang="en-US" dirty="0"/>
-              <a:t>파일에 추가</a:t>
-            </a:r>
-            <a:endParaRPr lang="en-US" altLang="ko-KR" dirty="0"/>
-          </a:p>
-          <a:p>
-            <a:r>
-              <a:rPr lang="en-US" altLang="ko-KR" dirty="0" err="1"/>
-              <a:t>Vercel</a:t>
-            </a:r>
-            <a:r>
-              <a:rPr lang="en-US" altLang="ko-KR" dirty="0"/>
-              <a:t>: 3</a:t>
-            </a:r>
-            <a:r>
-              <a:rPr lang="ko-KR" altLang="en-US" dirty="0"/>
-              <a:t>개의 </a:t>
-            </a:r>
-            <a:r>
-              <a:rPr lang="ko-KR" altLang="en-US" dirty="0" err="1"/>
-              <a:t>엔드포인트</a:t>
-            </a:r>
-            <a:r>
-              <a:rPr lang="ko-KR" altLang="en-US" dirty="0"/>
-              <a:t> 구현</a:t>
-            </a:r>
-            <a:r>
-              <a:rPr lang="en-US" altLang="ko-KR" dirty="0"/>
-              <a:t>(</a:t>
-            </a:r>
-            <a:r>
-              <a:rPr lang="en-US" altLang="ko-KR" dirty="0" err="1"/>
-              <a:t>pokemon</a:t>
-            </a:r>
-            <a:r>
-              <a:rPr lang="en-US" altLang="ko-KR" dirty="0"/>
-              <a:t>, species, type)</a:t>
-            </a:r>
-          </a:p>
-          <a:p>
-            <a:r>
-              <a:rPr lang="en-US" altLang="ko-KR" dirty="0"/>
-              <a:t>Docker + NGINX </a:t>
-            </a:r>
-            <a:r>
-              <a:rPr lang="ko-KR" altLang="en-US" dirty="0"/>
-              <a:t>프록시 서버</a:t>
-            </a:r>
-            <a:r>
-              <a:rPr lang="en-US" altLang="ko-KR" dirty="0"/>
-              <a:t>: docker-</a:t>
-            </a:r>
-            <a:r>
-              <a:rPr lang="en-US" altLang="ko-KR" dirty="0" err="1"/>
-              <a:t>compose.yml</a:t>
-            </a:r>
-            <a:r>
-              <a:rPr lang="ko-KR" altLang="en-US" dirty="0"/>
-              <a:t>파일 사용</a:t>
-            </a:r>
-            <a:endParaRPr lang="en-US" altLang="ko-KR" dirty="0"/>
-          </a:p>
-          <a:p>
-            <a:r>
-              <a:rPr lang="en-US" altLang="ko-KR" dirty="0"/>
-              <a:t>GitHub Actions </a:t>
-            </a:r>
-            <a:r>
-              <a:rPr lang="ko-KR" altLang="en-US" dirty="0"/>
-              <a:t>자동 배포</a:t>
-            </a:r>
-            <a:r>
-              <a:rPr lang="en-US" altLang="ko-KR" dirty="0"/>
-              <a:t>: push</a:t>
-            </a:r>
-            <a:r>
-              <a:rPr lang="ko-KR" altLang="en-US" dirty="0"/>
-              <a:t>시 빌드</a:t>
-            </a:r>
-            <a:r>
-              <a:rPr lang="en-US" altLang="ko-KR" dirty="0"/>
-              <a:t>-&gt; </a:t>
-            </a:r>
-            <a:r>
-              <a:rPr lang="ko-KR" altLang="en-US" dirty="0"/>
-              <a:t>정적파일 복사 </a:t>
-            </a:r>
-            <a:r>
-              <a:rPr lang="en-US" altLang="ko-KR" dirty="0"/>
-              <a:t>-&gt; </a:t>
-            </a:r>
-            <a:r>
-              <a:rPr lang="en-US" altLang="ko-KR" dirty="0" err="1"/>
-              <a:t>Vercel</a:t>
-            </a:r>
-            <a:r>
-              <a:rPr lang="en-US" altLang="ko-KR" dirty="0"/>
-              <a:t> </a:t>
-            </a:r>
-            <a:r>
-              <a:rPr lang="ko-KR" altLang="en-US" dirty="0"/>
-              <a:t>배포 자동화</a:t>
-            </a:r>
+              <a:rPr lang="ko-KR" altLang="en-US" sz="2200" dirty="0"/>
+              <a:t> 빌드</a:t>
+            </a:r>
+            <a:endParaRPr lang="en-US" altLang="ko-KR" sz="2200" dirty="0"/>
+          </a:p>
+          <a:p>
+            <a:pPr marL="914400" lvl="1" indent="-457200">
+              <a:buFont typeface="+mj-lt"/>
+              <a:buAutoNum type="arabicParenR"/>
+            </a:pPr>
+            <a:r>
+              <a:rPr lang="ko-KR" altLang="en-US" sz="2200" dirty="0"/>
+              <a:t>정적 파일 자동 복사</a:t>
+            </a:r>
+            <a:endParaRPr lang="en-US" altLang="ko-KR" sz="2200" dirty="0"/>
+          </a:p>
+          <a:p>
+            <a:pPr marL="914400" lvl="1" indent="-457200">
+              <a:buFont typeface="+mj-lt"/>
+              <a:buAutoNum type="arabicParenR"/>
+            </a:pPr>
+            <a:r>
+              <a:rPr lang="en-US" altLang="ko-KR" sz="2200" dirty="0"/>
+              <a:t>VERCEL </a:t>
+            </a:r>
+            <a:r>
+              <a:rPr lang="ko-KR" altLang="en-US" sz="2200" dirty="0"/>
+              <a:t>함수 자동 배포</a:t>
+            </a:r>
+            <a:endParaRPr lang="en-US" altLang="ko-KR" sz="2200" dirty="0"/>
           </a:p>
         </p:txBody>
       </p:sp>
@@ -5901,24 +5982,32 @@
             <a:endParaRPr lang="en-US" altLang="ko-KR" dirty="0"/>
           </a:p>
           <a:p>
+            <a:r>
+              <a:rPr lang="ko-KR" altLang="en-US" dirty="0"/>
+              <a:t>목표</a:t>
+            </a:r>
+            <a:r>
+              <a:rPr lang="en-US" altLang="ko-KR" dirty="0"/>
+              <a:t>:</a:t>
+            </a:r>
+          </a:p>
+          <a:p>
+            <a:pPr lvl="1"/>
+            <a:r>
+              <a:rPr lang="en-US" altLang="ko-KR" dirty="0"/>
+              <a:t> </a:t>
+            </a:r>
+            <a:r>
+              <a:rPr lang="ko-KR" altLang="en-US" dirty="0"/>
+              <a:t>직관적인 검색 기능</a:t>
+            </a:r>
             <a:endParaRPr lang="en-US" altLang="ko-KR" dirty="0"/>
           </a:p>
           <a:p>
-            <a:r>
-              <a:rPr lang="ko-KR" altLang="en-US" dirty="0"/>
-              <a:t>목표</a:t>
-            </a:r>
+            <a:pPr lvl="1"/>
             <a:r>
               <a:rPr lang="en-US" altLang="ko-KR" dirty="0"/>
-              <a:t>: </a:t>
-            </a:r>
-            <a:r>
-              <a:rPr lang="ko-KR" altLang="en-US" dirty="0"/>
-              <a:t>직관적인 검색 </a:t>
-            </a:r>
-            <a:r>
-              <a:rPr lang="en-US" altLang="ko-KR" dirty="0"/>
-              <a:t>+ </a:t>
+              <a:t> </a:t>
             </a:r>
             <a:r>
               <a:rPr lang="ko-KR" altLang="en-US" dirty="0"/>
@@ -5930,11 +6019,15 @@
             </a:r>
             <a:r>
               <a:rPr lang="ko-KR" altLang="en-US" dirty="0"/>
-              <a:t>능력치 같은 상세 정보 조회 </a:t>
-            </a:r>
+              <a:t>능력치 등 상세 정보 제공</a:t>
+            </a:r>
+            <a:endParaRPr lang="en-US" altLang="ko-KR" dirty="0"/>
+          </a:p>
+          <a:p>
+            <a:pPr lvl="1"/>
             <a:r>
               <a:rPr lang="en-US" altLang="ko-KR" dirty="0"/>
-              <a:t>+ </a:t>
+              <a:t> </a:t>
             </a:r>
             <a:r>
               <a:rPr lang="ko-KR" altLang="en-US" dirty="0"/>
@@ -5946,21 +6039,25 @@
             </a:r>
             <a:r>
               <a:rPr lang="ko-KR" altLang="en-US" dirty="0"/>
-              <a:t>제공</a:t>
+              <a:t>구현</a:t>
             </a:r>
             <a:endParaRPr lang="en-US" altLang="ko-KR" dirty="0"/>
           </a:p>
           <a:p>
-            <a:endParaRPr lang="en-US" altLang="ko-KR" dirty="0"/>
-          </a:p>
-          <a:p>
             <a:r>
               <a:rPr lang="ko-KR" altLang="en-US" dirty="0"/>
               <a:t>핵심 기술</a:t>
             </a:r>
             <a:r>
               <a:rPr lang="en-US" altLang="ko-KR" dirty="0"/>
-              <a:t>: React, </a:t>
+              <a:t>:</a:t>
+            </a:r>
+          </a:p>
+          <a:p>
+            <a:pPr lvl="1"/>
+            <a:r>
+              <a:rPr lang="en-US" altLang="ko-KR" dirty="0"/>
+              <a:t> React, </a:t>
             </a:r>
             <a:r>
               <a:rPr lang="en-US" altLang="ko-KR" dirty="0" err="1"/>
@@ -6062,8 +6159,8 @@
         </p:nvSpPr>
         <p:spPr>
           <a:xfrm>
-            <a:off x="4600575" y="1690688"/>
-            <a:ext cx="6310312" cy="4351338"/>
+            <a:off x="3325346" y="1690688"/>
+            <a:ext cx="4203214" cy="4351338"/>
           </a:xfrm>
         </p:spPr>
         <p:txBody>
@@ -6074,120 +6171,103 @@
           <a:p>
             <a:r>
               <a:rPr lang="ko-KR" altLang="en-US" sz="2600" dirty="0"/>
-              <a:t>프로젝트 폴더는 </a:t>
-            </a:r>
-            <a:r>
-              <a:rPr lang="en-US" altLang="ko-KR" sz="2600" dirty="0" err="1"/>
-              <a:t>Github</a:t>
-            </a:r>
-            <a:r>
-              <a:rPr lang="en-US" altLang="ko-KR" sz="2600" dirty="0"/>
-              <a:t> Action</a:t>
-            </a:r>
-            <a:r>
-              <a:rPr lang="ko-KR" altLang="en-US" sz="2600" dirty="0"/>
-              <a:t>을</a:t>
-            </a:r>
-            <a:r>
-              <a:rPr lang="en-US" altLang="ko-KR" sz="2600" dirty="0"/>
+              <a:t>프로젝트 폴더 구조</a:t>
+            </a:r>
+            <a:endParaRPr lang="en-US" altLang="ko-KR" sz="2600" dirty="0"/>
+          </a:p>
+          <a:p>
+            <a:pPr lvl="1"/>
+            <a:r>
+              <a:rPr lang="en-US" altLang="ko-KR" sz="2200" dirty="0"/>
+              <a:t>.</a:t>
+            </a:r>
+            <a:r>
+              <a:rPr lang="en-US" altLang="ko-KR" sz="2200" dirty="0" err="1"/>
+              <a:t>github</a:t>
+            </a:r>
+            <a:r>
+              <a:rPr lang="en-US" altLang="ko-KR" sz="2200" dirty="0"/>
+              <a:t>: GitHub Actions</a:t>
+            </a:r>
+            <a:r>
+              <a:rPr lang="ko-KR" altLang="en-US" sz="2200" dirty="0"/>
+              <a:t>설정</a:t>
+            </a:r>
+            <a:endParaRPr lang="en-US" altLang="ko-KR" sz="2200" dirty="0"/>
+          </a:p>
+          <a:p>
+            <a:pPr lvl="1"/>
+            <a:r>
+              <a:rPr lang="en-US" altLang="ko-KR" sz="2200" dirty="0"/>
+              <a:t>frontend: React </a:t>
+            </a:r>
+            <a:r>
+              <a:rPr lang="ko-KR" altLang="en-US" sz="2200" dirty="0" err="1"/>
+              <a:t>프론트엔트</a:t>
+            </a:r>
+            <a:endParaRPr lang="en-US" altLang="ko-KR" sz="2200" dirty="0"/>
+          </a:p>
+          <a:p>
+            <a:pPr lvl="1"/>
+            <a:r>
+              <a:rPr lang="en-US" altLang="ko-KR" sz="2200" dirty="0"/>
+              <a:t>proxy: Nginx </a:t>
+            </a:r>
+            <a:r>
+              <a:rPr lang="ko-KR" altLang="en-US" sz="2200" dirty="0"/>
+              <a:t>프록시 설정</a:t>
+            </a:r>
+            <a:endParaRPr lang="en-US" altLang="ko-KR" sz="2200" dirty="0"/>
+          </a:p>
+          <a:p>
+            <a:pPr lvl="1"/>
+            <a:r>
+              <a:rPr lang="en-US" altLang="ko-KR" sz="2200" dirty="0"/>
+              <a:t>serverless: </a:t>
+            </a:r>
+            <a:r>
+              <a:rPr lang="en-US" altLang="ko-KR" sz="2200" dirty="0" err="1"/>
+              <a:t>Vercel</a:t>
+            </a:r>
+            <a:r>
+              <a:rPr lang="ko-KR" altLang="en-US" sz="2200" dirty="0"/>
+              <a:t>용 </a:t>
+            </a:r>
+            <a:r>
+              <a:rPr lang="en-US" altLang="ko-KR" sz="2200" dirty="0"/>
+              <a:t>API </a:t>
+            </a:r>
+            <a:r>
+              <a:rPr lang="ko-KR" altLang="en-US" sz="2200" dirty="0"/>
+              <a:t>처리</a:t>
+            </a:r>
+            <a:endParaRPr lang="en-US" altLang="ko-KR" sz="2200" dirty="0"/>
+          </a:p>
+          <a:p>
+            <a:pPr lvl="1"/>
+            <a:r>
+              <a:rPr lang="en-US" altLang="ko-KR" sz="2200" dirty="0"/>
+              <a:t>docker-</a:t>
+            </a:r>
+            <a:r>
+              <a:rPr lang="en-US" altLang="ko-KR" sz="2200" dirty="0" err="1"/>
+              <a:t>compose.yml</a:t>
+            </a:r>
+            <a:r>
+              <a:rPr lang="en-US" altLang="ko-KR" sz="2200" dirty="0"/>
+              <a:t>: </a:t>
+            </a:r>
+            <a:r>
+              <a:rPr lang="en-US" altLang="ko-KR" sz="2200" dirty="0" err="1"/>
+              <a:t>Dokcer</a:t>
+            </a:r>
+            <a:r>
+              <a:rPr lang="en-US" altLang="ko-KR" sz="2200" dirty="0"/>
               <a:t> </a:t>
             </a:r>
             <a:r>
-              <a:rPr lang="ko-KR" altLang="en-US" sz="2600" dirty="0"/>
-              <a:t>위한 </a:t>
-            </a:r>
-            <a:r>
-              <a:rPr lang="en-US" altLang="ko-KR" sz="2600" dirty="0"/>
-              <a:t>.</a:t>
-            </a:r>
-            <a:r>
-              <a:rPr lang="en-US" altLang="ko-KR" sz="2600" dirty="0" err="1"/>
-              <a:t>github</a:t>
-            </a:r>
-            <a:r>
-              <a:rPr lang="ko-KR" altLang="en-US" sz="2600" dirty="0"/>
-              <a:t>와 </a:t>
-            </a:r>
-            <a:r>
-              <a:rPr lang="en-US" altLang="ko-KR" sz="2600" dirty="0"/>
-              <a:t>frontend, proxy, serverless</a:t>
-            </a:r>
-            <a:r>
-              <a:rPr lang="ko-KR" altLang="en-US" sz="2600" dirty="0"/>
-              <a:t>폴더</a:t>
-            </a:r>
-            <a:r>
-              <a:rPr lang="en-US" altLang="ko-KR" sz="2600" dirty="0"/>
-              <a:t>, </a:t>
-            </a:r>
-            <a:r>
-              <a:rPr lang="ko-KR" altLang="en-US" sz="2600" dirty="0"/>
-              <a:t>그리고 </a:t>
-            </a:r>
-            <a:r>
-              <a:rPr lang="en-US" altLang="ko-KR" sz="2600" dirty="0"/>
-              <a:t>docker </a:t>
-            </a:r>
-            <a:r>
-              <a:rPr lang="ko-KR" altLang="en-US" sz="2600" dirty="0"/>
-              <a:t>컨테이너 </a:t>
-            </a:r>
-            <a:r>
-              <a:rPr lang="ko-KR" altLang="en-US" sz="2600" dirty="0" err="1"/>
-              <a:t>사용을위한</a:t>
-            </a:r>
-            <a:r>
-              <a:rPr lang="ko-KR" altLang="en-US" sz="2600" dirty="0"/>
-              <a:t> </a:t>
-            </a:r>
-            <a:r>
-              <a:rPr lang="en-US" altLang="ko-KR" sz="2600" dirty="0"/>
-              <a:t>docker-</a:t>
-            </a:r>
-            <a:r>
-              <a:rPr lang="en-US" altLang="ko-KR" sz="2600" dirty="0" err="1"/>
-              <a:t>compose.yml</a:t>
-            </a:r>
-            <a:r>
-              <a:rPr lang="ko-KR" altLang="en-US" sz="2600" dirty="0"/>
-              <a:t>로 구성</a:t>
-            </a:r>
-            <a:r>
-              <a:rPr lang="en-US" altLang="ko-KR" sz="2600" dirty="0"/>
-              <a:t>.</a:t>
-            </a:r>
-          </a:p>
-          <a:p>
-            <a:endParaRPr lang="en-US" altLang="ko-KR" sz="2600" dirty="0"/>
-          </a:p>
-          <a:p>
-            <a:r>
-              <a:rPr lang="ko-KR" altLang="en-US" sz="2600" dirty="0"/>
-              <a:t>소스파일은 </a:t>
-            </a:r>
-            <a:r>
-              <a:rPr lang="en-US" altLang="ko-KR" sz="2600" dirty="0"/>
-              <a:t>assets, components, hooks, lib, pages, stores </a:t>
-            </a:r>
-            <a:r>
-              <a:rPr lang="ko-KR" altLang="en-US" sz="2600" dirty="0"/>
-              <a:t>폴더와 </a:t>
-            </a:r>
-            <a:r>
-              <a:rPr lang="en-US" altLang="ko-KR" sz="2600" dirty="0" err="1"/>
-              <a:t>App.jsx</a:t>
-            </a:r>
-            <a:r>
-              <a:rPr lang="en-US" altLang="ko-KR" sz="2600" dirty="0"/>
-              <a:t>, index.css, </a:t>
-            </a:r>
-            <a:r>
-              <a:rPr lang="en-US" altLang="ko-KR" sz="2600" dirty="0" err="1"/>
-              <a:t>main.jsx</a:t>
-            </a:r>
-            <a:r>
-              <a:rPr lang="ko-KR" altLang="en-US" sz="2600" dirty="0"/>
-              <a:t>로 구성</a:t>
+              <a:rPr lang="ko-KR" altLang="en-US" sz="2200" dirty="0"/>
+              <a:t>컨테이너 구성</a:t>
             </a:r>
           </a:p>
         </p:txBody>
@@ -6214,7 +6294,7 @@
         </p:blipFill>
         <p:spPr>
           <a:xfrm>
-            <a:off x="1281113" y="1690688"/>
+            <a:off x="533400" y="1690688"/>
             <a:ext cx="2661624" cy="1838325"/>
           </a:xfrm>
           <a:prstGeom prst="rect">
@@ -6244,7 +6324,7 @@
         </p:blipFill>
         <p:spPr>
           <a:xfrm>
-            <a:off x="1281113" y="3612116"/>
+            <a:off x="533400" y="3612116"/>
             <a:ext cx="2661624" cy="2484919"/>
           </a:xfrm>
           <a:prstGeom prst="rect">
@@ -6252,6 +6332,288 @@
           </a:prstGeom>
         </p:spPr>
       </p:pic>
+      <p:sp>
+        <p:nvSpPr>
+          <p:cNvPr id="4" name="내용 개체 틀 2">
+            <a:extLst>
+              <a:ext uri="{FF2B5EF4-FFF2-40B4-BE49-F238E27FC236}">
+                <a16:creationId xmlns:a16="http://schemas.microsoft.com/office/drawing/2014/main" id="{2C3E2E50-A7C8-57EE-5663-00C92E78347D}"/>
+              </a:ext>
+            </a:extLst>
+          </p:cNvPr>
+          <p:cNvSpPr txBox="1">
+            <a:spLocks/>
+          </p:cNvSpPr>
+          <p:nvPr/>
+        </p:nvSpPr>
+        <p:spPr>
+          <a:xfrm>
+            <a:off x="7658882" y="1690688"/>
+            <a:ext cx="4203214" cy="4351338"/>
+          </a:xfrm>
+          <a:prstGeom prst="rect">
+            <a:avLst/>
+          </a:prstGeom>
+        </p:spPr>
+        <p:txBody>
+          <a:bodyPr vert="horz" lIns="91440" tIns="45720" rIns="91440" bIns="45720" rtlCol="0">
+            <a:normAutofit/>
+          </a:bodyPr>
+          <a:lstStyle>
+            <a:lvl1pPr marL="228600" indent="-228600" algn="l" defTabSz="914400" rtl="0" eaLnBrk="1" latinLnBrk="1" hangingPunct="1">
+              <a:lnSpc>
+                <a:spcPct val="90000"/>
+              </a:lnSpc>
+              <a:spcBef>
+                <a:spcPts val="1000"/>
+              </a:spcBef>
+              <a:buFont typeface="Arial" panose="020B0604020202020204" pitchFamily="34" charset="0"/>
+              <a:buChar char="•"/>
+              <a:defRPr sz="2800" kern="1200">
+                <a:solidFill>
+                  <a:schemeClr val="tx1"/>
+                </a:solidFill>
+                <a:latin typeface="+mn-lt"/>
+                <a:ea typeface="+mn-ea"/>
+                <a:cs typeface="+mn-cs"/>
+              </a:defRPr>
+            </a:lvl1pPr>
+            <a:lvl2pPr marL="685800" indent="-228600" algn="l" defTabSz="914400" rtl="0" eaLnBrk="1" latinLnBrk="1" hangingPunct="1">
+              <a:lnSpc>
+                <a:spcPct val="90000"/>
+              </a:lnSpc>
+              <a:spcBef>
+                <a:spcPts val="500"/>
+              </a:spcBef>
+              <a:buFont typeface="Arial" panose="020B0604020202020204" pitchFamily="34" charset="0"/>
+              <a:buChar char="•"/>
+              <a:defRPr sz="2400" kern="1200">
+                <a:solidFill>
+                  <a:schemeClr val="tx1"/>
+                </a:solidFill>
+                <a:latin typeface="+mn-lt"/>
+                <a:ea typeface="+mn-ea"/>
+                <a:cs typeface="+mn-cs"/>
+              </a:defRPr>
+            </a:lvl2pPr>
+            <a:lvl3pPr marL="1143000" indent="-228600" algn="l" defTabSz="914400" rtl="0" eaLnBrk="1" latinLnBrk="1" hangingPunct="1">
+              <a:lnSpc>
+                <a:spcPct val="90000"/>
+              </a:lnSpc>
+              <a:spcBef>
+                <a:spcPts val="500"/>
+              </a:spcBef>
+              <a:buFont typeface="Arial" panose="020B0604020202020204" pitchFamily="34" charset="0"/>
+              <a:buChar char="•"/>
+              <a:defRPr sz="2000" kern="1200">
+                <a:solidFill>
+                  <a:schemeClr val="tx1"/>
+                </a:solidFill>
+                <a:latin typeface="+mn-lt"/>
+                <a:ea typeface="+mn-ea"/>
+                <a:cs typeface="+mn-cs"/>
+              </a:defRPr>
+            </a:lvl3pPr>
+            <a:lvl4pPr marL="1600200" indent="-228600" algn="l" defTabSz="914400" rtl="0" eaLnBrk="1" latinLnBrk="1" hangingPunct="1">
+              <a:lnSpc>
+                <a:spcPct val="90000"/>
+              </a:lnSpc>
+              <a:spcBef>
+                <a:spcPts val="500"/>
+              </a:spcBef>
+              <a:buFont typeface="Arial" panose="020B0604020202020204" pitchFamily="34" charset="0"/>
+              <a:buChar char="•"/>
+              <a:defRPr sz="1800" kern="1200">
+                <a:solidFill>
+                  <a:schemeClr val="tx1"/>
+                </a:solidFill>
+                <a:latin typeface="+mn-lt"/>
+                <a:ea typeface="+mn-ea"/>
+                <a:cs typeface="+mn-cs"/>
+              </a:defRPr>
+            </a:lvl4pPr>
+            <a:lvl5pPr marL="2057400" indent="-228600" algn="l" defTabSz="914400" rtl="0" eaLnBrk="1" latinLnBrk="1" hangingPunct="1">
+              <a:lnSpc>
+                <a:spcPct val="90000"/>
+              </a:lnSpc>
+              <a:spcBef>
+                <a:spcPts val="500"/>
+              </a:spcBef>
+              <a:buFont typeface="Arial" panose="020B0604020202020204" pitchFamily="34" charset="0"/>
+              <a:buChar char="•"/>
+              <a:defRPr sz="1800" kern="1200">
+                <a:solidFill>
+                  <a:schemeClr val="tx1"/>
+                </a:solidFill>
+                <a:latin typeface="+mn-lt"/>
+                <a:ea typeface="+mn-ea"/>
+                <a:cs typeface="+mn-cs"/>
+              </a:defRPr>
+            </a:lvl5pPr>
+            <a:lvl6pPr marL="2514600" indent="-228600" algn="l" defTabSz="914400" rtl="0" eaLnBrk="1" latinLnBrk="1" hangingPunct="1">
+              <a:lnSpc>
+                <a:spcPct val="90000"/>
+              </a:lnSpc>
+              <a:spcBef>
+                <a:spcPts val="500"/>
+              </a:spcBef>
+              <a:buFont typeface="Arial" panose="020B0604020202020204" pitchFamily="34" charset="0"/>
+              <a:buChar char="•"/>
+              <a:defRPr sz="1800" kern="1200">
+                <a:solidFill>
+                  <a:schemeClr val="tx1"/>
+                </a:solidFill>
+                <a:latin typeface="+mn-lt"/>
+                <a:ea typeface="+mn-ea"/>
+                <a:cs typeface="+mn-cs"/>
+              </a:defRPr>
+            </a:lvl6pPr>
+            <a:lvl7pPr marL="2971800" indent="-228600" algn="l" defTabSz="914400" rtl="0" eaLnBrk="1" latinLnBrk="1" hangingPunct="1">
+              <a:lnSpc>
+                <a:spcPct val="90000"/>
+              </a:lnSpc>
+              <a:spcBef>
+                <a:spcPts val="500"/>
+              </a:spcBef>
+              <a:buFont typeface="Arial" panose="020B0604020202020204" pitchFamily="34" charset="0"/>
+              <a:buChar char="•"/>
+              <a:defRPr sz="1800" kern="1200">
+                <a:solidFill>
+                  <a:schemeClr val="tx1"/>
+                </a:solidFill>
+                <a:latin typeface="+mn-lt"/>
+                <a:ea typeface="+mn-ea"/>
+                <a:cs typeface="+mn-cs"/>
+              </a:defRPr>
+            </a:lvl7pPr>
+            <a:lvl8pPr marL="3429000" indent="-228600" algn="l" defTabSz="914400" rtl="0" eaLnBrk="1" latinLnBrk="1" hangingPunct="1">
+              <a:lnSpc>
+                <a:spcPct val="90000"/>
+              </a:lnSpc>
+              <a:spcBef>
+                <a:spcPts val="500"/>
+              </a:spcBef>
+              <a:buFont typeface="Arial" panose="020B0604020202020204" pitchFamily="34" charset="0"/>
+              <a:buChar char="•"/>
+              <a:defRPr sz="1800" kern="1200">
+                <a:solidFill>
+                  <a:schemeClr val="tx1"/>
+                </a:solidFill>
+                <a:latin typeface="+mn-lt"/>
+                <a:ea typeface="+mn-ea"/>
+                <a:cs typeface="+mn-cs"/>
+              </a:defRPr>
+            </a:lvl8pPr>
+            <a:lvl9pPr marL="3886200" indent="-228600" algn="l" defTabSz="914400" rtl="0" eaLnBrk="1" latinLnBrk="1" hangingPunct="1">
+              <a:lnSpc>
+                <a:spcPct val="90000"/>
+              </a:lnSpc>
+              <a:spcBef>
+                <a:spcPts val="500"/>
+              </a:spcBef>
+              <a:buFont typeface="Arial" panose="020B0604020202020204" pitchFamily="34" charset="0"/>
+              <a:buChar char="•"/>
+              <a:defRPr sz="1800" kern="1200">
+                <a:solidFill>
+                  <a:schemeClr val="tx1"/>
+                </a:solidFill>
+                <a:latin typeface="+mn-lt"/>
+                <a:ea typeface="+mn-ea"/>
+                <a:cs typeface="+mn-cs"/>
+              </a:defRPr>
+            </a:lvl9pPr>
+          </a:lstStyle>
+          <a:p>
+            <a:r>
+              <a:rPr lang="ko-KR" altLang="en-US" sz="2600" dirty="0" err="1"/>
+              <a:t>프론트엔드</a:t>
+            </a:r>
+            <a:r>
+              <a:rPr lang="ko-KR" altLang="en-US" sz="2600" dirty="0"/>
+              <a:t> 소스 구성</a:t>
+            </a:r>
+            <a:endParaRPr lang="en-US" altLang="ko-KR" sz="2600" dirty="0"/>
+          </a:p>
+          <a:p>
+            <a:pPr lvl="1"/>
+            <a:r>
+              <a:rPr lang="en-US" altLang="ko-KR" sz="2200" dirty="0"/>
+              <a:t>assets: </a:t>
+            </a:r>
+            <a:r>
+              <a:rPr lang="ko-KR" altLang="en-US" sz="2200" dirty="0"/>
+              <a:t>로고파일</a:t>
+            </a:r>
+            <a:endParaRPr lang="en-US" altLang="ko-KR" sz="2200" dirty="0"/>
+          </a:p>
+          <a:p>
+            <a:pPr lvl="1"/>
+            <a:r>
+              <a:rPr lang="en-US" altLang="ko-KR" sz="2200" dirty="0"/>
+              <a:t>components: </a:t>
+            </a:r>
+            <a:r>
+              <a:rPr lang="ko-KR" altLang="en-US" sz="2200" dirty="0"/>
+              <a:t>공통 컴포넌트</a:t>
+            </a:r>
+            <a:endParaRPr lang="en-US" altLang="ko-KR" sz="2200" dirty="0"/>
+          </a:p>
+          <a:p>
+            <a:pPr lvl="1"/>
+            <a:r>
+              <a:rPr lang="en-US" altLang="ko-KR" sz="2200" dirty="0"/>
+              <a:t>hooks: </a:t>
+            </a:r>
+            <a:r>
+              <a:rPr lang="ko-KR" altLang="en-US" sz="2200" dirty="0"/>
+              <a:t>커스텀 훅</a:t>
+            </a:r>
+            <a:endParaRPr lang="en-US" altLang="ko-KR" sz="2200" dirty="0"/>
+          </a:p>
+          <a:p>
+            <a:pPr lvl="1"/>
+            <a:r>
+              <a:rPr lang="en-US" altLang="ko-KR" sz="2200" dirty="0"/>
+              <a:t>lib: </a:t>
+            </a:r>
+            <a:r>
+              <a:rPr lang="ko-KR" altLang="en-US" sz="2200" dirty="0"/>
+              <a:t>한글 맵</a:t>
+            </a:r>
+            <a:endParaRPr lang="en-US" altLang="ko-KR" sz="2200" dirty="0"/>
+          </a:p>
+          <a:p>
+            <a:pPr lvl="1"/>
+            <a:r>
+              <a:rPr lang="en-US" altLang="ko-KR" sz="2200" dirty="0"/>
+              <a:t>pages: </a:t>
+            </a:r>
+            <a:r>
+              <a:rPr lang="ko-KR" altLang="en-US" sz="2200" dirty="0"/>
+              <a:t>라우팅 페이지</a:t>
+            </a:r>
+            <a:endParaRPr lang="en-US" altLang="ko-KR" sz="2200" dirty="0"/>
+          </a:p>
+          <a:p>
+            <a:pPr lvl="1"/>
+            <a:r>
+              <a:rPr lang="en-US" altLang="ko-KR" sz="2200" dirty="0"/>
+              <a:t>stores: </a:t>
+            </a:r>
+            <a:r>
+              <a:rPr lang="ko-KR" altLang="en-US" sz="2200" dirty="0"/>
+              <a:t>상태 관리</a:t>
+            </a:r>
+            <a:endParaRPr lang="en-US" altLang="ko-KR" sz="2200" dirty="0"/>
+          </a:p>
+          <a:p>
+            <a:pPr marL="457200" lvl="1" indent="0">
+              <a:buNone/>
+            </a:pPr>
+            <a:endParaRPr lang="ko-KR" altLang="en-US" sz="2200" dirty="0"/>
+          </a:p>
+        </p:txBody>
+      </p:sp>
     </p:spTree>
     <p:extLst>
       <p:ext uri="{BB962C8B-B14F-4D97-AF65-F5344CB8AC3E}">
@@ -6340,37 +6702,34 @@
         </p:nvSpPr>
         <p:spPr>
           <a:xfrm>
-            <a:off x="838200" y="1825625"/>
-            <a:ext cx="10515600" cy="4351338"/>
+            <a:off x="838200" y="2724785"/>
+            <a:ext cx="10515600" cy="3127375"/>
           </a:xfrm>
         </p:spPr>
         <p:txBody>
-          <a:bodyPr/>
-          <a:lstStyle/>
-          <a:p>
-            <a:r>
-              <a:rPr lang="ko-KR" altLang="en-US" dirty="0"/>
-              <a:t>홈페이지는 포켓몬이 </a:t>
+          <a:bodyPr>
+            <a:normAutofit/>
+          </a:bodyPr>
+          <a:lstStyle/>
+          <a:p>
+            <a:r>
+              <a:rPr lang="ko-KR" altLang="en-US" dirty="0"/>
+              <a:t>첫 페이지 진입 시 포켓몬 </a:t>
             </a:r>
             <a:r>
               <a:rPr lang="en-US" altLang="ko-KR" dirty="0"/>
               <a:t>20</a:t>
             </a:r>
             <a:r>
-              <a:rPr lang="ko-KR" altLang="en-US" dirty="0" err="1"/>
-              <a:t>마리로드되고</a:t>
-            </a:r>
-            <a:r>
-              <a:rPr lang="ko-KR" altLang="en-US" dirty="0"/>
-              <a:t> 스크롤 </a:t>
-            </a:r>
-            <a:r>
-              <a:rPr lang="ko-KR" altLang="en-US" dirty="0" err="1"/>
-              <a:t>할시에</a:t>
-            </a:r>
-            <a:r>
-              <a:rPr lang="ko-KR" altLang="en-US" dirty="0"/>
-              <a:t> </a:t>
+              <a:rPr lang="ko-KR" altLang="en-US" dirty="0"/>
+              <a:t>마리 로드</a:t>
+            </a:r>
+            <a:endParaRPr lang="en-US" altLang="ko-KR" dirty="0"/>
+          </a:p>
+          <a:p>
+            <a:r>
+              <a:rPr lang="ko-KR" altLang="en-US" dirty="0"/>
+              <a:t>스크롤 시 </a:t>
             </a:r>
             <a:r>
               <a:rPr lang="en-US" altLang="ko-KR" dirty="0"/>
@@ -6378,37 +6737,52 @@
             </a:r>
             <a:r>
               <a:rPr lang="ko-KR" altLang="en-US" dirty="0"/>
-              <a:t>마리 추가로 로드되는 방식</a:t>
+              <a:t>마리씩 추가 로드</a:t>
             </a:r>
             <a:endParaRPr lang="en-US" altLang="ko-KR" dirty="0"/>
           </a:p>
           <a:p>
+            <a:r>
+              <a:rPr lang="ko-KR" altLang="en-US" dirty="0"/>
+              <a:t>좌측</a:t>
+            </a:r>
+            <a:r>
+              <a:rPr lang="en-US" altLang="ko-KR" dirty="0"/>
+              <a:t>: </a:t>
+            </a:r>
+            <a:r>
+              <a:rPr lang="ko-KR" altLang="en-US" dirty="0"/>
+              <a:t>최근 본 포켓몬 컴포넌트</a:t>
+            </a:r>
             <a:endParaRPr lang="en-US" altLang="ko-KR" dirty="0"/>
           </a:p>
           <a:p>
             <a:r>
               <a:rPr lang="ko-KR" altLang="en-US" dirty="0"/>
-              <a:t>좌측에는 최근 본 포켓몬 컴포넌트 위치</a:t>
+              <a:t>우측</a:t>
+            </a:r>
+            <a:r>
+              <a:rPr lang="en-US" altLang="ko-KR" dirty="0"/>
+              <a:t>: </a:t>
+            </a:r>
+            <a:r>
+              <a:rPr lang="ko-KR" altLang="en-US" dirty="0"/>
+              <a:t>즐겨찾기 컴포넌트</a:t>
             </a:r>
             <a:endParaRPr lang="en-US" altLang="ko-KR" dirty="0"/>
           </a:p>
           <a:p>
-            <a:endParaRPr lang="en-US" altLang="ko-KR" dirty="0"/>
-          </a:p>
-          <a:p>
-            <a:r>
-              <a:rPr lang="ko-KR" altLang="en-US" dirty="0"/>
-              <a:t>우측에는 즐겨찾기 컴포넌트 위치</a:t>
-            </a:r>
-            <a:endParaRPr lang="en-US" altLang="ko-KR" dirty="0"/>
-          </a:p>
-          <a:p>
-            <a:endParaRPr lang="en-US" altLang="ko-KR" dirty="0"/>
-          </a:p>
-          <a:p>
-            <a:r>
-              <a:rPr lang="ko-KR" altLang="en-US" dirty="0"/>
-              <a:t>상단에는 </a:t>
+            <a:r>
+              <a:rPr lang="ko-KR" altLang="en-US" dirty="0"/>
+              <a:t>상단</a:t>
+            </a:r>
+            <a:r>
+              <a:rPr lang="en-US" altLang="ko-KR" dirty="0"/>
+              <a:t>: </a:t>
+            </a:r>
+            <a:r>
+              <a:rPr lang="ko-KR" altLang="en-US" dirty="0"/>
+              <a:t>로고 및 </a:t>
             </a:r>
             <a:r>
               <a:rPr lang="ko-KR" altLang="en-US" dirty="0" err="1"/>
@@ -6416,7 +6790,7 @@
             </a:r>
             <a:r>
               <a:rPr lang="ko-KR" altLang="en-US" dirty="0"/>
-              <a:t> 컴포넌트 위치</a:t>
+              <a:t> 컴포넌트</a:t>
             </a:r>
           </a:p>
         </p:txBody>
@@ -6671,7 +7045,7 @@
           <a:p>
             <a:r>
               <a:rPr lang="ko-KR" altLang="en-US" dirty="0"/>
-              <a:t>검색기능은 상황에 따라 </a:t>
+              <a:t>검색기능은 총 </a:t>
             </a:r>
             <a:r>
               <a:rPr lang="en-US" altLang="ko-KR" dirty="0"/>
@@ -6679,7 +7053,7 @@
             </a:r>
             <a:r>
               <a:rPr lang="ko-KR" altLang="en-US" dirty="0"/>
-              <a:t>가지로 분류가능</a:t>
+              <a:t>가지 방식으로 분류</a:t>
             </a:r>
             <a:endParaRPr lang="en-US" altLang="ko-KR" dirty="0"/>
           </a:p>
@@ -6687,7 +7061,7 @@
             <a:pPr lvl="1"/>
             <a:r>
               <a:rPr lang="ko-KR" altLang="en-US" dirty="0"/>
-              <a:t>도감번호 검색</a:t>
+              <a:t>도감 번호 검색</a:t>
             </a:r>
             <a:endParaRPr lang="en-US" altLang="ko-KR" dirty="0"/>
           </a:p>
@@ -6695,7 +7069,7 @@
             <a:pPr lvl="1"/>
             <a:r>
               <a:rPr lang="ko-KR" altLang="en-US" dirty="0"/>
-              <a:t>타입으로 검색</a:t>
+              <a:t>타입 검색</a:t>
             </a:r>
             <a:r>
               <a:rPr lang="en-US" altLang="ko-KR" dirty="0"/>
@@ -6703,7 +7077,7 @@
             </a:r>
             <a:r>
               <a:rPr lang="ko-KR" altLang="en-US" dirty="0"/>
-              <a:t>여러 개의 타입 선택가능</a:t>
+              <a:t>복수 선택 가능</a:t>
             </a:r>
             <a:r>
               <a:rPr lang="en-US" altLang="ko-KR" dirty="0"/>
@@ -6714,7 +7088,7 @@
             <a:pPr lvl="1"/>
             <a:r>
               <a:rPr lang="ko-KR" altLang="en-US" dirty="0"/>
-              <a:t>포켓몬 이름으로 검색</a:t>
+              <a:t>포켓몬 이름 검색</a:t>
             </a:r>
             <a:endParaRPr lang="en-US" altLang="ko-KR" dirty="0"/>
           </a:p>
@@ -6722,7 +7096,7 @@
             <a:pPr lvl="1"/>
             <a:r>
               <a:rPr lang="ko-KR" altLang="en-US" dirty="0"/>
-              <a:t>포켓몬 이름 </a:t>
+              <a:t>이름 </a:t>
             </a:r>
             <a:r>
               <a:rPr lang="en-US" altLang="ko-KR" dirty="0"/>
@@ -6730,7 +7104,7 @@
             </a:r>
             <a:r>
               <a:rPr lang="ko-KR" altLang="en-US" dirty="0"/>
-              <a:t>타입</a:t>
+              <a:t>타입 동시 검색</a:t>
             </a:r>
             <a:endParaRPr lang="en-US" altLang="ko-KR" dirty="0"/>
           </a:p>
@@ -6738,7 +7112,15 @@
             <a:pPr lvl="1"/>
             <a:r>
               <a:rPr lang="ko-KR" altLang="en-US" dirty="0"/>
-              <a:t>검색어 없이 검색 시 홈페이지와 동일하게 </a:t>
+              <a:t>검색어 없이 검색 시 홈페이지와 동일</a:t>
+            </a:r>
+            <a:r>
+              <a:rPr lang="en-US" altLang="ko-KR" dirty="0"/>
+              <a:t>,</a:t>
+            </a:r>
+            <a:r>
+              <a:rPr lang="ko-KR" altLang="en-US" dirty="0"/>
+              <a:t> </a:t>
             </a:r>
             <a:r>
               <a:rPr lang="en-US" altLang="ko-KR" dirty="0"/>
@@ -6754,7 +7136,7 @@
             </a:r>
             <a:r>
               <a:rPr lang="ko-KR" altLang="en-US" dirty="0"/>
-              <a:t>마리씩 로드</a:t>
+              <a:t>마리씩 순차 로드</a:t>
             </a:r>
             <a:endParaRPr lang="en-US" altLang="ko-KR" dirty="0"/>
           </a:p>
@@ -6769,7 +7151,18 @@
             </a:r>
             <a:r>
               <a:rPr lang="ko-KR" altLang="en-US" dirty="0"/>
-              <a:t>에서 한국어를 지원하지 않아 </a:t>
+              <a:t>는 한국어를 지원하지 않음</a:t>
+            </a:r>
+            <a:endParaRPr lang="en-US" altLang="ko-KR" dirty="0"/>
+          </a:p>
+          <a:p>
+            <a:pPr lvl="1">
+              <a:buFont typeface="맑은 고딕" panose="020B0503020000020004" pitchFamily="50" charset="-127"/>
+              <a:buChar char="→"/>
+            </a:pPr>
+            <a:r>
+              <a:rPr lang="ko-KR" altLang="en-US" dirty="0"/>
+              <a:t> </a:t>
             </a:r>
             <a:r>
               <a:rPr lang="en-US" altLang="ko-KR" dirty="0"/>
@@ -6797,7 +7190,7 @@
             </a:r>
             <a:r>
               <a:rPr lang="ko-KR" altLang="en-US" dirty="0"/>
-              <a:t>를 사용하여 포켓몬 이름 및 타입 한글화 </a:t>
+              <a:t>를 활용하여 이름 및 타입 한글화 처리</a:t>
             </a:r>
             <a:endParaRPr lang="en-US" altLang="ko-KR" dirty="0"/>
           </a:p>
@@ -6914,10 +7307,25 @@
             <a:pPr marL="0" indent="0">
               <a:buNone/>
             </a:pPr>
-            <a:r>
-              <a:rPr lang="ko-KR" altLang="en-US" dirty="0"/>
-              <a:t>도감 번호를 입력하여 검 색시 좌측과 같이 도감 번호와 일치하는 포켓몬 한 마리 출력</a:t>
-            </a:r>
+            <a:endParaRPr lang="en-US" altLang="ko-KR" dirty="0"/>
+          </a:p>
+          <a:p>
+            <a:pPr marL="0" indent="0">
+              <a:buNone/>
+            </a:pPr>
+            <a:r>
+              <a:rPr lang="ko-KR" altLang="en-US" dirty="0"/>
+              <a:t>도감 번호 입력 시 해당 번호의 포켓몬 </a:t>
+            </a:r>
+            <a:r>
+              <a:rPr lang="en-US" altLang="ko-KR" dirty="0"/>
+              <a:t>1</a:t>
+            </a:r>
+            <a:r>
+              <a:rPr lang="ko-KR" altLang="en-US" dirty="0"/>
+              <a:t>마리 출력</a:t>
+            </a:r>
+            <a:endParaRPr lang="en-US" altLang="ko-KR" dirty="0"/>
           </a:p>
         </p:txBody>
       </p:sp>
